--- a/LCC/Java/202404_就業認證直播-Java程式開發/開場換場結束用.pptx
+++ b/LCC/Java/202404_就業認證直播-Java程式開發/開場換場結束用.pptx
@@ -6,15 +6,16 @@
     <p:sldMasterId id="2147483736" r:id="rId2"/>
   </p:sldMasterIdLst>
   <p:notesMasterIdLst>
-    <p:notesMasterId r:id="rId6"/>
+    <p:notesMasterId r:id="rId7"/>
   </p:notesMasterIdLst>
   <p:handoutMasterIdLst>
-    <p:handoutMasterId r:id="rId7"/>
+    <p:handoutMasterId r:id="rId8"/>
   </p:handoutMasterIdLst>
   <p:sldIdLst>
     <p:sldId id="1127" r:id="rId3"/>
     <p:sldId id="258" r:id="rId4"/>
-    <p:sldId id="1126" r:id="rId5"/>
+    <p:sldId id="1128" r:id="rId5"/>
+    <p:sldId id="1126" r:id="rId6"/>
   </p:sldIdLst>
   <p:sldSz cx="9144000" cy="5143500" type="screen16x9"/>
   <p:notesSz cx="6858000" cy="9144000"/>
@@ -237,7 +238,7 @@
           <a:p>
             <a:fld id="{5906D774-52FA-4552-9278-8871F8D0D510}" type="datetimeFigureOut">
               <a:rPr lang="en-US" smtClean="0"/>
-              <a:t>4/22/2024</a:t>
+              <a:t>6/12/2024</a:t>
             </a:fld>
             <a:endParaRPr lang="en-US"/>
           </a:p>
@@ -414,7 +415,7 @@
           <a:p>
             <a:fld id="{DEE66C52-80BE-4770-9469-2B53534CDE0D}" type="datetimeFigureOut">
               <a:rPr lang="zh-CN" altLang="en-US" smtClean="0"/>
-              <a:t>2024/4/22</a:t>
+              <a:t>2024/6/12</a:t>
             </a:fld>
             <a:endParaRPr lang="zh-CN" altLang="en-US"/>
           </a:p>
@@ -849,6 +850,90 @@
 </p:notes>
 </file>
 
+<file path=ppt/notesSlides/notesSlide3.xml><?xml version="1.0" encoding="utf-8"?>
+<p:notes xmlns:a="http://schemas.openxmlformats.org/drawingml/2006/main" xmlns:r="http://schemas.openxmlformats.org/officeDocument/2006/relationships" xmlns:p="http://schemas.openxmlformats.org/presentationml/2006/main">
+  <p:cSld>
+    <p:spTree>
+      <p:nvGrpSpPr>
+        <p:cNvPr id="1" name=""/>
+        <p:cNvGrpSpPr/>
+        <p:nvPr/>
+      </p:nvGrpSpPr>
+      <p:grpSpPr>
+        <a:xfrm>
+          <a:off x="0" y="0"/>
+          <a:ext cx="0" cy="0"/>
+          <a:chOff x="0" y="0"/>
+          <a:chExt cx="0" cy="0"/>
+        </a:xfrm>
+      </p:grpSpPr>
+      <p:sp>
+        <p:nvSpPr>
+          <p:cNvPr id="2" name="投影片圖像版面配置區 1"/>
+          <p:cNvSpPr>
+            <a:spLocks noGrp="1" noRot="1" noChangeAspect="1"/>
+          </p:cNvSpPr>
+          <p:nvPr>
+            <p:ph type="sldImg"/>
+          </p:nvPr>
+        </p:nvSpPr>
+        <p:spPr/>
+      </p:sp>
+      <p:sp>
+        <p:nvSpPr>
+          <p:cNvPr id="3" name="備忘稿版面配置區 2"/>
+          <p:cNvSpPr>
+            <a:spLocks noGrp="1"/>
+          </p:cNvSpPr>
+          <p:nvPr>
+            <p:ph type="body" idx="1"/>
+          </p:nvPr>
+        </p:nvSpPr>
+        <p:spPr/>
+        <p:txBody>
+          <a:bodyPr/>
+          <a:lstStyle/>
+          <a:p>
+            <a:endParaRPr lang="zh-TW" altLang="en-US" dirty="0"/>
+          </a:p>
+        </p:txBody>
+      </p:sp>
+      <p:sp>
+        <p:nvSpPr>
+          <p:cNvPr id="4" name="投影片編號版面配置區 3"/>
+          <p:cNvSpPr>
+            <a:spLocks noGrp="1"/>
+          </p:cNvSpPr>
+          <p:nvPr>
+            <p:ph type="sldNum" sz="quarter" idx="10"/>
+          </p:nvPr>
+        </p:nvSpPr>
+        <p:spPr/>
+        <p:txBody>
+          <a:bodyPr/>
+          <a:lstStyle/>
+          <a:p>
+            <a:fld id="{72FC9F5A-0E0D-4A71-8646-3725F624199A}" type="slidenum">
+              <a:rPr lang="zh-CN" altLang="en-US" smtClean="0"/>
+              <a:t>3</a:t>
+            </a:fld>
+            <a:endParaRPr lang="zh-CN" altLang="en-US"/>
+          </a:p>
+        </p:txBody>
+      </p:sp>
+    </p:spTree>
+    <p:extLst>
+      <p:ext uri="{BB962C8B-B14F-4D97-AF65-F5344CB8AC3E}">
+        <p14:creationId xmlns:p14="http://schemas.microsoft.com/office/powerpoint/2010/main" val="3286823023"/>
+      </p:ext>
+    </p:extLst>
+  </p:cSld>
+  <p:clrMapOvr>
+    <a:masterClrMapping/>
+  </p:clrMapOvr>
+</p:notes>
+</file>
+
 <file path=ppt/slideLayouts/slideLayout1.xml><?xml version="1.0" encoding="utf-8"?>
 <p:sldLayout xmlns:a="http://schemas.openxmlformats.org/drawingml/2006/main" xmlns:r="http://schemas.openxmlformats.org/officeDocument/2006/relationships" xmlns:p="http://schemas.openxmlformats.org/presentationml/2006/main" preserve="1" userDrawn="1">
   <p:cSld name="自定义版式">
@@ -1092,7 +1177,7 @@
           <a:p>
             <a:fld id="{C764DE79-268F-4C1A-8933-263129D2AF90}" type="datetimeFigureOut">
               <a:rPr lang="en-US" dirty="0"/>
-              <a:t>4/22/2024</a:t>
+              <a:t>6/12/2024</a:t>
             </a:fld>
             <a:endParaRPr lang="en-US" dirty="0"/>
           </a:p>
@@ -1302,7 +1387,7 @@
           <a:p>
             <a:fld id="{C764DE79-268F-4C1A-8933-263129D2AF90}" type="datetimeFigureOut">
               <a:rPr lang="en-US" dirty="0"/>
-              <a:t>4/22/2024</a:t>
+              <a:t>6/12/2024</a:t>
             </a:fld>
             <a:endParaRPr lang="en-US" dirty="0"/>
           </a:p>
@@ -1512,7 +1597,7 @@
           <a:p>
             <a:fld id="{C764DE79-268F-4C1A-8933-263129D2AF90}" type="datetimeFigureOut">
               <a:rPr lang="en-US" dirty="0"/>
-              <a:t>4/22/2024</a:t>
+              <a:t>6/12/2024</a:t>
             </a:fld>
             <a:endParaRPr lang="en-US" dirty="0"/>
           </a:p>
@@ -2569,7 +2654,7 @@
                 </a:solidFill>
               </a:rPr>
               <a:pPr defTabSz="914400"/>
-              <a:t>2024/4/22</a:t>
+              <a:t>2024/6/12</a:t>
             </a:fld>
             <a:endParaRPr lang="zh-CN" altLang="en-US">
               <a:solidFill>
@@ -2802,7 +2887,7 @@
                 </a:solidFill>
               </a:rPr>
               <a:pPr defTabSz="914400"/>
-              <a:t>2024/4/22</a:t>
+              <a:t>2024/6/12</a:t>
             </a:fld>
             <a:endParaRPr lang="zh-CN" altLang="en-US">
               <a:solidFill>
@@ -3073,7 +3158,7 @@
           <a:p>
             <a:fld id="{C764DE79-268F-4C1A-8933-263129D2AF90}" type="datetimeFigureOut">
               <a:rPr lang="en-US" dirty="0"/>
-              <a:t>4/22/2024</a:t>
+              <a:t>6/12/2024</a:t>
             </a:fld>
             <a:endParaRPr lang="en-US" dirty="0"/>
           </a:p>
@@ -3283,7 +3368,7 @@
           <a:p>
             <a:fld id="{C764DE79-268F-4C1A-8933-263129D2AF90}" type="datetimeFigureOut">
               <a:rPr lang="en-US" dirty="0"/>
-              <a:t>4/22/2024</a:t>
+              <a:t>6/12/2024</a:t>
             </a:fld>
             <a:endParaRPr lang="en-US" dirty="0"/>
           </a:p>
@@ -3559,7 +3644,7 @@
           <a:p>
             <a:fld id="{C764DE79-268F-4C1A-8933-263129D2AF90}" type="datetimeFigureOut">
               <a:rPr lang="en-US" dirty="0"/>
-              <a:t>4/22/2024</a:t>
+              <a:t>6/12/2024</a:t>
             </a:fld>
             <a:endParaRPr lang="en-US" dirty="0"/>
           </a:p>
@@ -3829,7 +3914,7 @@
           <a:p>
             <a:fld id="{C764DE79-268F-4C1A-8933-263129D2AF90}" type="datetimeFigureOut">
               <a:rPr lang="en-US" dirty="0"/>
-              <a:t>4/22/2024</a:t>
+              <a:t>6/12/2024</a:t>
             </a:fld>
             <a:endParaRPr lang="en-US" dirty="0"/>
           </a:p>
@@ -4235,7 +4320,7 @@
           <a:p>
             <a:fld id="{C764DE79-268F-4C1A-8933-263129D2AF90}" type="datetimeFigureOut">
               <a:rPr lang="en-US" dirty="0"/>
-              <a:t>4/22/2024</a:t>
+              <a:t>6/12/2024</a:t>
             </a:fld>
             <a:endParaRPr lang="en-US" dirty="0"/>
           </a:p>
@@ -4485,7 +4570,7 @@
           <a:p>
             <a:fld id="{C764DE79-268F-4C1A-8933-263129D2AF90}" type="datetimeFigureOut">
               <a:rPr lang="en-US" dirty="0"/>
-              <a:t>4/22/2024</a:t>
+              <a:t>6/12/2024</a:t>
             </a:fld>
             <a:endParaRPr lang="en-US" dirty="0"/>
           </a:p>
@@ -4604,7 +4689,7 @@
           <a:p>
             <a:fld id="{C764DE79-268F-4C1A-8933-263129D2AF90}" type="datetimeFigureOut">
               <a:rPr lang="en-US" dirty="0"/>
-              <a:t>4/22/2024</a:t>
+              <a:t>6/12/2024</a:t>
             </a:fld>
             <a:endParaRPr lang="en-US" dirty="0"/>
           </a:p>
@@ -4914,7 +4999,7 @@
           <a:p>
             <a:fld id="{C764DE79-268F-4C1A-8933-263129D2AF90}" type="datetimeFigureOut">
               <a:rPr lang="en-US" dirty="0"/>
-              <a:t>4/22/2024</a:t>
+              <a:t>6/12/2024</a:t>
             </a:fld>
             <a:endParaRPr lang="en-US" dirty="0"/>
           </a:p>
@@ -6104,7 +6189,7 @@
             <a:pPr algn="ctr"/>
             <a:r>
               <a:rPr lang="en-US" altLang="zh-TW" sz="3200" dirty="0" smtClean="0"/>
-              <a:t>2</a:t>
+              <a:t>1</a:t>
             </a:r>
             <a:endParaRPr lang="zh-TW" altLang="en-US" sz="3200" dirty="0"/>
           </a:p>
@@ -6332,7 +6417,7 @@
             <a:pPr algn="ctr"/>
             <a:r>
               <a:rPr lang="en-US" altLang="zh-TW" sz="3200" dirty="0" smtClean="0"/>
-              <a:t>4</a:t>
+              <a:t>6</a:t>
             </a:r>
             <a:endParaRPr lang="zh-TW" altLang="en-US" sz="3200" dirty="0"/>
           </a:p>
@@ -6905,11 +6990,6 @@
               </a:rPr>
               <a:t>程式開發</a:t>
             </a:r>
-            <a:endParaRPr lang="zh-TW" altLang="en-US" sz="2800" b="1" dirty="0">
-              <a:solidFill>
-                <a:srgbClr val="FFFF00"/>
-              </a:solidFill>
-            </a:endParaRPr>
           </a:p>
         </p:txBody>
       </p:sp>
@@ -7394,8 +7474,8 @@
           <a:p>
             <a:pPr algn="ctr"/>
             <a:r>
-              <a:rPr lang="en-US" altLang="zh-TW" sz="3600" dirty="0" smtClean="0"/>
-              <a:t>0</a:t>
+              <a:rPr lang="en-US" altLang="zh-TW" sz="3600" dirty="0"/>
+              <a:t>5</a:t>
             </a:r>
             <a:endParaRPr lang="zh-TW" altLang="en-US" sz="3600" dirty="0"/>
           </a:p>
@@ -7470,8 +7550,8 @@
           <a:p>
             <a:pPr algn="ctr"/>
             <a:r>
-              <a:rPr lang="en-US" altLang="zh-TW" sz="3600" dirty="0" smtClean="0"/>
-              <a:t>5</a:t>
+              <a:rPr lang="en-US" altLang="zh-TW" sz="3600" dirty="0"/>
+              <a:t>0</a:t>
             </a:r>
             <a:endParaRPr lang="zh-TW" altLang="en-US" sz="3600" dirty="0"/>
           </a:p>
@@ -7899,7 +7979,7 @@
             <a:pPr algn="ctr"/>
             <a:r>
               <a:rPr lang="en-US" altLang="zh-TW" sz="3600" dirty="0" smtClean="0"/>
-              <a:t>2</a:t>
+              <a:t>1</a:t>
             </a:r>
             <a:endParaRPr lang="zh-TW" altLang="en-US" sz="3600" dirty="0"/>
           </a:p>
@@ -7975,7 +8055,7 @@
             <a:pPr algn="ctr"/>
             <a:r>
               <a:rPr lang="en-US" altLang="zh-TW" sz="3600" dirty="0"/>
-              <a:t>0</a:t>
+              <a:t>9</a:t>
             </a:r>
             <a:endParaRPr lang="zh-TW" altLang="en-US" sz="3600" dirty="0"/>
           </a:p>
@@ -8014,6 +8094,991 @@
 </file>
 
 <file path=ppt/slides/slide3.xml><?xml version="1.0" encoding="utf-8"?>
+<p:sld xmlns:a="http://schemas.openxmlformats.org/drawingml/2006/main" xmlns:r="http://schemas.openxmlformats.org/officeDocument/2006/relationships" xmlns:p="http://schemas.openxmlformats.org/presentationml/2006/main">
+  <p:cSld>
+    <p:spTree>
+      <p:nvGrpSpPr>
+        <p:cNvPr id="1" name=""/>
+        <p:cNvGrpSpPr/>
+        <p:nvPr/>
+      </p:nvGrpSpPr>
+      <p:grpSpPr>
+        <a:xfrm>
+          <a:off x="0" y="0"/>
+          <a:ext cx="0" cy="0"/>
+          <a:chOff x="0" y="0"/>
+          <a:chExt cx="0" cy="0"/>
+        </a:xfrm>
+      </p:grpSpPr>
+      <p:sp>
+        <p:nvSpPr>
+          <p:cNvPr id="11" name="矩形 10">
+            <a:extLst>
+              <a:ext uri="{FF2B5EF4-FFF2-40B4-BE49-F238E27FC236}">
+                <a16:creationId xmlns:a16="http://schemas.microsoft.com/office/drawing/2014/main" id="{49EA549D-CF64-418F-8B51-A9B72A41551A}"/>
+              </a:ext>
+            </a:extLst>
+          </p:cNvPr>
+          <p:cNvSpPr/>
+          <p:nvPr/>
+        </p:nvSpPr>
+        <p:spPr>
+          <a:xfrm>
+            <a:off x="1149410" y="0"/>
+            <a:ext cx="2047875" cy="5143500"/>
+          </a:xfrm>
+          <a:prstGeom prst="rect">
+            <a:avLst/>
+          </a:prstGeom>
+          <a:gradFill>
+            <a:gsLst>
+              <a:gs pos="76000">
+                <a:srgbClr val="5877B6"/>
+              </a:gs>
+              <a:gs pos="26000">
+                <a:srgbClr val="465E96"/>
+              </a:gs>
+            </a:gsLst>
+            <a:lin ang="0" scaled="0"/>
+          </a:gradFill>
+          <a:ln>
+            <a:noFill/>
+          </a:ln>
+        </p:spPr>
+        <p:style>
+          <a:lnRef idx="2">
+            <a:schemeClr val="accent1">
+              <a:shade val="50000"/>
+            </a:schemeClr>
+          </a:lnRef>
+          <a:fillRef idx="1">
+            <a:schemeClr val="accent1"/>
+          </a:fillRef>
+          <a:effectRef idx="0">
+            <a:schemeClr val="accent1"/>
+          </a:effectRef>
+          <a:fontRef idx="minor">
+            <a:schemeClr val="lt1"/>
+          </a:fontRef>
+        </p:style>
+        <p:txBody>
+          <a:bodyPr rtlCol="0" anchor="ctr"/>
+          <a:lstStyle/>
+          <a:p>
+            <a:pPr algn="ctr"/>
+            <a:endParaRPr lang="zh-CN" altLang="en-US">
+              <a:cs typeface="+mn-ea"/>
+              <a:sym typeface="+mn-lt"/>
+            </a:endParaRPr>
+          </a:p>
+        </p:txBody>
+      </p:sp>
+      <p:sp>
+        <p:nvSpPr>
+          <p:cNvPr id="27" name="TextBox 21">
+            <a:extLst>
+              <a:ext uri="{FF2B5EF4-FFF2-40B4-BE49-F238E27FC236}">
+                <a16:creationId xmlns:a16="http://schemas.microsoft.com/office/drawing/2014/main" id="{24D5A1CF-9A93-4BA6-AAD1-B9AC8BA6F6FC}"/>
+              </a:ext>
+            </a:extLst>
+          </p:cNvPr>
+          <p:cNvSpPr txBox="1"/>
+          <p:nvPr/>
+        </p:nvSpPr>
+        <p:spPr>
+          <a:xfrm>
+            <a:off x="4264490" y="1100005"/>
+            <a:ext cx="3956379" cy="523220"/>
+          </a:xfrm>
+          <a:prstGeom prst="rect">
+            <a:avLst/>
+          </a:prstGeom>
+          <a:noFill/>
+        </p:spPr>
+        <p:txBody>
+          <a:bodyPr wrap="square" rtlCol="0">
+            <a:spAutoFit/>
+          </a:bodyPr>
+          <a:lstStyle/>
+          <a:p>
+            <a:r>
+              <a:rPr lang="zh-TW" altLang="en-US" sz="2800" dirty="0">
+                <a:gradFill>
+                  <a:gsLst>
+                    <a:gs pos="0">
+                      <a:srgbClr val="5877B6"/>
+                    </a:gs>
+                    <a:gs pos="100000">
+                      <a:srgbClr val="465E96"/>
+                    </a:gs>
+                  </a:gsLst>
+                  <a:lin ang="5400000" scaled="0"/>
+                </a:gradFill>
+                <a:effectLst>
+                  <a:outerShdw blurRad="254000" dist="101600" dir="5400000" algn="ctr" rotWithShape="0">
+                    <a:srgbClr val="000000">
+                      <a:alpha val="15000"/>
+                    </a:srgbClr>
+                  </a:outerShdw>
+                </a:effectLst>
+                <a:cs typeface="+mn-ea"/>
+                <a:sym typeface="+mn-lt"/>
+              </a:rPr>
+              <a:t>中場休息</a:t>
+            </a:r>
+            <a:r>
+              <a:rPr lang="en-US" altLang="zh-TW" sz="2800" dirty="0">
+                <a:gradFill>
+                  <a:gsLst>
+                    <a:gs pos="0">
+                      <a:srgbClr val="5877B6"/>
+                    </a:gs>
+                    <a:gs pos="100000">
+                      <a:srgbClr val="465E96"/>
+                    </a:gs>
+                  </a:gsLst>
+                  <a:lin ang="5400000" scaled="0"/>
+                </a:gradFill>
+                <a:effectLst>
+                  <a:outerShdw blurRad="254000" dist="101600" dir="5400000" algn="ctr" rotWithShape="0">
+                    <a:srgbClr val="000000">
+                      <a:alpha val="15000"/>
+                    </a:srgbClr>
+                  </a:outerShdw>
+                </a:effectLst>
+                <a:cs typeface="+mn-ea"/>
+                <a:sym typeface="+mn-lt"/>
+              </a:rPr>
+              <a:t>10</a:t>
+            </a:r>
+            <a:r>
+              <a:rPr lang="zh-TW" altLang="en-US" sz="2800" dirty="0">
+                <a:gradFill>
+                  <a:gsLst>
+                    <a:gs pos="0">
+                      <a:srgbClr val="5877B6"/>
+                    </a:gs>
+                    <a:gs pos="100000">
+                      <a:srgbClr val="465E96"/>
+                    </a:gs>
+                  </a:gsLst>
+                  <a:lin ang="5400000" scaled="0"/>
+                </a:gradFill>
+                <a:effectLst>
+                  <a:outerShdw blurRad="254000" dist="101600" dir="5400000" algn="ctr" rotWithShape="0">
+                    <a:srgbClr val="000000">
+                      <a:alpha val="15000"/>
+                    </a:srgbClr>
+                  </a:outerShdw>
+                </a:effectLst>
+                <a:cs typeface="+mn-ea"/>
+                <a:sym typeface="+mn-lt"/>
+              </a:rPr>
+              <a:t>分鐘</a:t>
+            </a:r>
+            <a:r>
+              <a:rPr lang="en-US" altLang="zh-TW" sz="2800" dirty="0">
+                <a:gradFill>
+                  <a:gsLst>
+                    <a:gs pos="0">
+                      <a:srgbClr val="5877B6"/>
+                    </a:gs>
+                    <a:gs pos="100000">
+                      <a:srgbClr val="465E96"/>
+                    </a:gs>
+                  </a:gsLst>
+                  <a:lin ang="5400000" scaled="0"/>
+                </a:gradFill>
+                <a:effectLst>
+                  <a:outerShdw blurRad="254000" dist="101600" dir="5400000" algn="ctr" rotWithShape="0">
+                    <a:srgbClr val="000000">
+                      <a:alpha val="15000"/>
+                    </a:srgbClr>
+                  </a:outerShdw>
+                </a:effectLst>
+                <a:cs typeface="+mn-ea"/>
+                <a:sym typeface="+mn-lt"/>
+              </a:rPr>
+              <a:t>!!</a:t>
+            </a:r>
+            <a:endParaRPr lang="zh-CN" altLang="en-US" sz="2800" dirty="0">
+              <a:gradFill>
+                <a:gsLst>
+                  <a:gs pos="0">
+                    <a:srgbClr val="5877B6"/>
+                  </a:gs>
+                  <a:gs pos="100000">
+                    <a:srgbClr val="465E96"/>
+                  </a:gs>
+                </a:gsLst>
+                <a:lin ang="5400000" scaled="0"/>
+              </a:gradFill>
+              <a:effectLst>
+                <a:outerShdw blurRad="254000" dist="101600" dir="5400000" algn="ctr" rotWithShape="0">
+                  <a:srgbClr val="000000">
+                    <a:alpha val="15000"/>
+                  </a:srgbClr>
+                </a:outerShdw>
+              </a:effectLst>
+              <a:cs typeface="+mn-ea"/>
+              <a:sym typeface="+mn-lt"/>
+            </a:endParaRPr>
+          </a:p>
+        </p:txBody>
+      </p:sp>
+      <p:pic>
+        <p:nvPicPr>
+          <p:cNvPr id="12" name="Google Shape;48;p7">
+            <a:extLst>
+              <a:ext uri="{FF2B5EF4-FFF2-40B4-BE49-F238E27FC236}">
+                <a16:creationId xmlns:a16="http://schemas.microsoft.com/office/drawing/2014/main" id="{6F20CAC0-3CFC-40D9-A70F-F869107D917D}"/>
+              </a:ext>
+            </a:extLst>
+          </p:cNvPr>
+          <p:cNvPicPr preferRelativeResize="0"/>
+          <p:nvPr/>
+        </p:nvPicPr>
+        <p:blipFill>
+          <a:blip r:embed="rId3">
+            <a:alphaModFix/>
+          </a:blip>
+          <a:stretch>
+            <a:fillRect/>
+          </a:stretch>
+        </p:blipFill>
+        <p:spPr>
+          <a:xfrm>
+            <a:off x="845809" y="1100005"/>
+            <a:ext cx="3143250" cy="3143250"/>
+          </a:xfrm>
+          <a:prstGeom prst="rect">
+            <a:avLst/>
+          </a:prstGeom>
+          <a:noFill/>
+          <a:ln>
+            <a:noFill/>
+          </a:ln>
+        </p:spPr>
+      </p:pic>
+      <p:pic>
+        <p:nvPicPr>
+          <p:cNvPr id="14" name="圖片 13">
+            <a:extLst>
+              <a:ext uri="{FF2B5EF4-FFF2-40B4-BE49-F238E27FC236}">
+                <a16:creationId xmlns:a16="http://schemas.microsoft.com/office/drawing/2014/main" id="{3966B757-10BA-4498-BEBB-A5C33527781F}"/>
+              </a:ext>
+            </a:extLst>
+          </p:cNvPr>
+          <p:cNvPicPr>
+            <a:picLocks noChangeAspect="1"/>
+          </p:cNvPicPr>
+          <p:nvPr/>
+        </p:nvPicPr>
+        <p:blipFill>
+          <a:blip r:embed="rId4"/>
+          <a:stretch>
+            <a:fillRect/>
+          </a:stretch>
+        </p:blipFill>
+        <p:spPr>
+          <a:xfrm>
+            <a:off x="7640435" y="4718199"/>
+            <a:ext cx="1400897" cy="335359"/>
+          </a:xfrm>
+          <a:prstGeom prst="rect">
+            <a:avLst/>
+          </a:prstGeom>
+        </p:spPr>
+      </p:pic>
+      <p:sp>
+        <p:nvSpPr>
+          <p:cNvPr id="23" name="矩形: 圓角 22">
+            <a:extLst>
+              <a:ext uri="{FF2B5EF4-FFF2-40B4-BE49-F238E27FC236}">
+                <a16:creationId xmlns:a16="http://schemas.microsoft.com/office/drawing/2014/main" id="{3A7330BB-D1A9-4091-9C4F-92C6D9B51BD6}"/>
+              </a:ext>
+            </a:extLst>
+          </p:cNvPr>
+          <p:cNvSpPr/>
+          <p:nvPr/>
+        </p:nvSpPr>
+        <p:spPr>
+          <a:xfrm>
+            <a:off x="6814178" y="2079405"/>
+            <a:ext cx="927527" cy="1044377"/>
+          </a:xfrm>
+          <a:prstGeom prst="roundRect">
+            <a:avLst/>
+          </a:prstGeom>
+          <a:solidFill>
+            <a:srgbClr val="F77A09"/>
+          </a:solidFill>
+          <a:ln>
+            <a:solidFill>
+              <a:srgbClr val="F77A09"/>
+            </a:solidFill>
+          </a:ln>
+          <a:effectLst>
+            <a:outerShdw blurRad="190500" dist="228600" dir="2700000" algn="ctr">
+              <a:srgbClr val="000000">
+                <a:alpha val="30000"/>
+              </a:srgbClr>
+            </a:outerShdw>
+          </a:effectLst>
+          <a:scene3d>
+            <a:camera prst="orthographicFront">
+              <a:rot lat="0" lon="0" rev="0"/>
+            </a:camera>
+            <a:lightRig rig="glow" dir="t">
+              <a:rot lat="0" lon="0" rev="4800000"/>
+            </a:lightRig>
+          </a:scene3d>
+          <a:sp3d prstMaterial="matte">
+            <a:bevelT w="127000" h="63500"/>
+          </a:sp3d>
+        </p:spPr>
+        <p:style>
+          <a:lnRef idx="2">
+            <a:schemeClr val="accent1">
+              <a:shade val="50000"/>
+            </a:schemeClr>
+          </a:lnRef>
+          <a:fillRef idx="1">
+            <a:schemeClr val="accent1"/>
+          </a:fillRef>
+          <a:effectRef idx="0">
+            <a:schemeClr val="accent1"/>
+          </a:effectRef>
+          <a:fontRef idx="minor">
+            <a:schemeClr val="lt1"/>
+          </a:fontRef>
+        </p:style>
+        <p:txBody>
+          <a:bodyPr rtlCol="0" anchor="ctr"/>
+          <a:lstStyle/>
+          <a:p>
+            <a:pPr algn="ctr"/>
+            <a:r>
+              <a:rPr lang="en-US" altLang="zh-TW" sz="3600" dirty="0"/>
+              <a:t>5</a:t>
+            </a:r>
+            <a:endParaRPr lang="zh-TW" altLang="en-US" sz="3600" dirty="0"/>
+          </a:p>
+        </p:txBody>
+      </p:sp>
+      <p:sp>
+        <p:nvSpPr>
+          <p:cNvPr id="24" name="矩形: 圓角 23">
+            <a:extLst>
+              <a:ext uri="{FF2B5EF4-FFF2-40B4-BE49-F238E27FC236}">
+                <a16:creationId xmlns:a16="http://schemas.microsoft.com/office/drawing/2014/main" id="{5F0621A3-1FF2-4143-9C6E-3D20A16CD369}"/>
+              </a:ext>
+            </a:extLst>
+          </p:cNvPr>
+          <p:cNvSpPr/>
+          <p:nvPr/>
+        </p:nvSpPr>
+        <p:spPr>
+          <a:xfrm>
+            <a:off x="7827332" y="2079405"/>
+            <a:ext cx="927527" cy="1033499"/>
+          </a:xfrm>
+          <a:prstGeom prst="roundRect">
+            <a:avLst/>
+          </a:prstGeom>
+          <a:solidFill>
+            <a:srgbClr val="F77A09"/>
+          </a:solidFill>
+          <a:ln>
+            <a:solidFill>
+              <a:srgbClr val="F77A09"/>
+            </a:solidFill>
+          </a:ln>
+          <a:effectLst>
+            <a:outerShdw blurRad="190500" dist="228600" dir="2700000" algn="ctr">
+              <a:srgbClr val="000000">
+                <a:alpha val="30000"/>
+              </a:srgbClr>
+            </a:outerShdw>
+          </a:effectLst>
+          <a:scene3d>
+            <a:camera prst="orthographicFront">
+              <a:rot lat="0" lon="0" rev="0"/>
+            </a:camera>
+            <a:lightRig rig="glow" dir="t">
+              <a:rot lat="0" lon="0" rev="4800000"/>
+            </a:lightRig>
+          </a:scene3d>
+          <a:sp3d prstMaterial="matte">
+            <a:bevelT w="127000" h="63500"/>
+          </a:sp3d>
+        </p:spPr>
+        <p:style>
+          <a:lnRef idx="2">
+            <a:schemeClr val="accent1">
+              <a:shade val="50000"/>
+            </a:schemeClr>
+          </a:lnRef>
+          <a:fillRef idx="1">
+            <a:schemeClr val="accent1"/>
+          </a:fillRef>
+          <a:effectRef idx="0">
+            <a:schemeClr val="accent1"/>
+          </a:effectRef>
+          <a:fontRef idx="minor">
+            <a:schemeClr val="lt1"/>
+          </a:fontRef>
+        </p:style>
+        <p:txBody>
+          <a:bodyPr rtlCol="0" anchor="ctr"/>
+          <a:lstStyle/>
+          <a:p>
+            <a:pPr algn="ctr"/>
+            <a:r>
+              <a:rPr lang="en-US" altLang="zh-TW" sz="3600" dirty="0"/>
+              <a:t>0</a:t>
+            </a:r>
+            <a:endParaRPr lang="zh-TW" altLang="en-US" sz="3600" dirty="0"/>
+          </a:p>
+        </p:txBody>
+      </p:sp>
+      <p:sp>
+        <p:nvSpPr>
+          <p:cNvPr id="7" name="流程圖: 接點 6">
+            <a:extLst>
+              <a:ext uri="{FF2B5EF4-FFF2-40B4-BE49-F238E27FC236}">
+                <a16:creationId xmlns:a16="http://schemas.microsoft.com/office/drawing/2014/main" id="{95AB90B1-7B98-4391-91C0-26214A378578}"/>
+              </a:ext>
+            </a:extLst>
+          </p:cNvPr>
+          <p:cNvSpPr/>
+          <p:nvPr/>
+        </p:nvSpPr>
+        <p:spPr>
+          <a:xfrm>
+            <a:off x="6398090" y="2228850"/>
+            <a:ext cx="231882" cy="261094"/>
+          </a:xfrm>
+          <a:prstGeom prst="flowChartConnector">
+            <a:avLst/>
+          </a:prstGeom>
+          <a:solidFill>
+            <a:srgbClr val="F77A09"/>
+          </a:solidFill>
+          <a:ln>
+            <a:solidFill>
+              <a:srgbClr val="F77A09"/>
+            </a:solidFill>
+          </a:ln>
+          <a:effectLst>
+            <a:outerShdw blurRad="190500" dist="228600" dir="2700000" algn="ctr">
+              <a:srgbClr val="000000">
+                <a:alpha val="30000"/>
+              </a:srgbClr>
+            </a:outerShdw>
+          </a:effectLst>
+          <a:scene3d>
+            <a:camera prst="orthographicFront">
+              <a:rot lat="0" lon="0" rev="0"/>
+            </a:camera>
+            <a:lightRig rig="glow" dir="t">
+              <a:rot lat="0" lon="0" rev="4800000"/>
+            </a:lightRig>
+          </a:scene3d>
+          <a:sp3d prstMaterial="matte">
+            <a:bevelT w="127000" h="63500"/>
+          </a:sp3d>
+        </p:spPr>
+        <p:style>
+          <a:lnRef idx="2">
+            <a:schemeClr val="accent1">
+              <a:shade val="50000"/>
+            </a:schemeClr>
+          </a:lnRef>
+          <a:fillRef idx="1">
+            <a:schemeClr val="accent1"/>
+          </a:fillRef>
+          <a:effectRef idx="0">
+            <a:schemeClr val="accent1"/>
+          </a:effectRef>
+          <a:fontRef idx="minor">
+            <a:schemeClr val="lt1"/>
+          </a:fontRef>
+        </p:style>
+        <p:txBody>
+          <a:bodyPr rtlCol="0" anchor="ctr"/>
+          <a:lstStyle/>
+          <a:p>
+            <a:pPr algn="ctr"/>
+            <a:endParaRPr lang="zh-TW" altLang="en-US"/>
+          </a:p>
+        </p:txBody>
+      </p:sp>
+      <p:sp>
+        <p:nvSpPr>
+          <p:cNvPr id="29" name="流程圖: 接點 28">
+            <a:extLst>
+              <a:ext uri="{FF2B5EF4-FFF2-40B4-BE49-F238E27FC236}">
+                <a16:creationId xmlns:a16="http://schemas.microsoft.com/office/drawing/2014/main" id="{2F7582C5-3A4E-4958-9BAA-32A2731DCCEA}"/>
+              </a:ext>
+            </a:extLst>
+          </p:cNvPr>
+          <p:cNvSpPr/>
+          <p:nvPr/>
+        </p:nvSpPr>
+        <p:spPr>
+          <a:xfrm>
+            <a:off x="6396696" y="2598519"/>
+            <a:ext cx="231882" cy="261094"/>
+          </a:xfrm>
+          <a:prstGeom prst="flowChartConnector">
+            <a:avLst/>
+          </a:prstGeom>
+          <a:solidFill>
+            <a:srgbClr val="F77A09"/>
+          </a:solidFill>
+          <a:ln>
+            <a:solidFill>
+              <a:srgbClr val="F77A09"/>
+            </a:solidFill>
+          </a:ln>
+          <a:effectLst>
+            <a:outerShdw blurRad="190500" dist="228600" dir="2700000" algn="ctr">
+              <a:srgbClr val="000000">
+                <a:alpha val="30000"/>
+              </a:srgbClr>
+            </a:outerShdw>
+          </a:effectLst>
+          <a:scene3d>
+            <a:camera prst="orthographicFront">
+              <a:rot lat="0" lon="0" rev="0"/>
+            </a:camera>
+            <a:lightRig rig="glow" dir="t">
+              <a:rot lat="0" lon="0" rev="4800000"/>
+            </a:lightRig>
+          </a:scene3d>
+          <a:sp3d prstMaterial="matte">
+            <a:bevelT w="127000" h="63500"/>
+          </a:sp3d>
+        </p:spPr>
+        <p:style>
+          <a:lnRef idx="2">
+            <a:schemeClr val="accent1">
+              <a:shade val="50000"/>
+            </a:schemeClr>
+          </a:lnRef>
+          <a:fillRef idx="1">
+            <a:schemeClr val="accent1"/>
+          </a:fillRef>
+          <a:effectRef idx="0">
+            <a:schemeClr val="accent1"/>
+          </a:effectRef>
+          <a:fontRef idx="minor">
+            <a:schemeClr val="lt1"/>
+          </a:fontRef>
+        </p:style>
+        <p:txBody>
+          <a:bodyPr rtlCol="0" anchor="ctr"/>
+          <a:lstStyle/>
+          <a:p>
+            <a:pPr algn="ctr"/>
+            <a:endParaRPr lang="zh-TW" altLang="en-US"/>
+          </a:p>
+        </p:txBody>
+      </p:sp>
+      <p:sp>
+        <p:nvSpPr>
+          <p:cNvPr id="31" name="TextBox 21">
+            <a:extLst>
+              <a:ext uri="{FF2B5EF4-FFF2-40B4-BE49-F238E27FC236}">
+                <a16:creationId xmlns:a16="http://schemas.microsoft.com/office/drawing/2014/main" id="{9A7D633A-BEDD-4346-9FD9-ECED3AA1BD2D}"/>
+              </a:ext>
+            </a:extLst>
+          </p:cNvPr>
+          <p:cNvSpPr txBox="1"/>
+          <p:nvPr/>
+        </p:nvSpPr>
+        <p:spPr>
+          <a:xfrm>
+            <a:off x="5084953" y="3579962"/>
+            <a:ext cx="3956379" cy="707886"/>
+          </a:xfrm>
+          <a:prstGeom prst="rect">
+            <a:avLst/>
+          </a:prstGeom>
+          <a:noFill/>
+        </p:spPr>
+        <p:txBody>
+          <a:bodyPr wrap="square" rtlCol="0">
+            <a:spAutoFit/>
+          </a:bodyPr>
+          <a:lstStyle/>
+          <a:p>
+            <a:pPr algn="r"/>
+            <a:r>
+              <a:rPr lang="zh-TW" altLang="en-US" sz="4000" dirty="0">
+                <a:gradFill>
+                  <a:gsLst>
+                    <a:gs pos="0">
+                      <a:srgbClr val="5877B6"/>
+                    </a:gs>
+                    <a:gs pos="100000">
+                      <a:srgbClr val="465E96"/>
+                    </a:gs>
+                  </a:gsLst>
+                  <a:lin ang="5400000" scaled="0"/>
+                </a:gradFill>
+                <a:effectLst>
+                  <a:outerShdw blurRad="254000" dist="101600" dir="5400000" algn="ctr" rotWithShape="0">
+                    <a:srgbClr val="000000">
+                      <a:alpha val="15000"/>
+                    </a:srgbClr>
+                  </a:outerShdw>
+                </a:effectLst>
+                <a:cs typeface="+mn-ea"/>
+                <a:sym typeface="+mn-lt"/>
+              </a:rPr>
+              <a:t>繼續上課囉</a:t>
+            </a:r>
+            <a:r>
+              <a:rPr lang="en-US" altLang="zh-TW" sz="4000" dirty="0">
+                <a:gradFill>
+                  <a:gsLst>
+                    <a:gs pos="0">
+                      <a:srgbClr val="5877B6"/>
+                    </a:gs>
+                    <a:gs pos="100000">
+                      <a:srgbClr val="465E96"/>
+                    </a:gs>
+                  </a:gsLst>
+                  <a:lin ang="5400000" scaled="0"/>
+                </a:gradFill>
+                <a:effectLst>
+                  <a:outerShdw blurRad="254000" dist="101600" dir="5400000" algn="ctr" rotWithShape="0">
+                    <a:srgbClr val="000000">
+                      <a:alpha val="15000"/>
+                    </a:srgbClr>
+                  </a:outerShdw>
+                </a:effectLst>
+                <a:cs typeface="+mn-ea"/>
+                <a:sym typeface="+mn-lt"/>
+              </a:rPr>
+              <a:t>!!!</a:t>
+            </a:r>
+            <a:endParaRPr lang="zh-CN" altLang="en-US" sz="4000" dirty="0">
+              <a:gradFill>
+                <a:gsLst>
+                  <a:gs pos="0">
+                    <a:srgbClr val="5877B6"/>
+                  </a:gs>
+                  <a:gs pos="100000">
+                    <a:srgbClr val="465E96"/>
+                  </a:gs>
+                </a:gsLst>
+                <a:lin ang="5400000" scaled="0"/>
+              </a:gradFill>
+              <a:effectLst>
+                <a:outerShdw blurRad="254000" dist="101600" dir="5400000" algn="ctr" rotWithShape="0">
+                  <a:srgbClr val="000000">
+                    <a:alpha val="15000"/>
+                  </a:srgbClr>
+                </a:outerShdw>
+              </a:effectLst>
+              <a:cs typeface="+mn-ea"/>
+              <a:sym typeface="+mn-lt"/>
+            </a:endParaRPr>
+          </a:p>
+        </p:txBody>
+      </p:sp>
+      <p:sp>
+        <p:nvSpPr>
+          <p:cNvPr id="35" name="TextBox 21">
+            <a:extLst>
+              <a:ext uri="{FF2B5EF4-FFF2-40B4-BE49-F238E27FC236}">
+                <a16:creationId xmlns:a16="http://schemas.microsoft.com/office/drawing/2014/main" id="{E5514EF1-8D9D-4653-8E21-A67F7FE5719F}"/>
+              </a:ext>
+            </a:extLst>
+          </p:cNvPr>
+          <p:cNvSpPr txBox="1"/>
+          <p:nvPr/>
+        </p:nvSpPr>
+        <p:spPr>
+          <a:xfrm>
+            <a:off x="5084953" y="4202922"/>
+            <a:ext cx="3956379" cy="461665"/>
+          </a:xfrm>
+          <a:prstGeom prst="rect">
+            <a:avLst/>
+          </a:prstGeom>
+          <a:noFill/>
+        </p:spPr>
+        <p:txBody>
+          <a:bodyPr wrap="square" rtlCol="0">
+            <a:spAutoFit/>
+          </a:bodyPr>
+          <a:lstStyle/>
+          <a:p>
+            <a:pPr algn="r"/>
+            <a:r>
+              <a:rPr lang="zh-TW" altLang="en-US" sz="2400" dirty="0">
+                <a:gradFill>
+                  <a:gsLst>
+                    <a:gs pos="0">
+                      <a:srgbClr val="5877B6"/>
+                    </a:gs>
+                    <a:gs pos="100000">
+                      <a:srgbClr val="465E96"/>
+                    </a:gs>
+                  </a:gsLst>
+                  <a:lin ang="5400000" scaled="0"/>
+                </a:gradFill>
+                <a:effectLst>
+                  <a:outerShdw blurRad="254000" dist="101600" dir="5400000" algn="ctr" rotWithShape="0">
+                    <a:srgbClr val="000000">
+                      <a:alpha val="15000"/>
+                    </a:srgbClr>
+                  </a:outerShdw>
+                </a:effectLst>
+                <a:cs typeface="+mn-ea"/>
+                <a:sym typeface="+mn-lt"/>
+              </a:rPr>
+              <a:t>記得回來呀</a:t>
+            </a:r>
+            <a:r>
+              <a:rPr lang="en-US" altLang="zh-TW" sz="2400" dirty="0">
+                <a:gradFill>
+                  <a:gsLst>
+                    <a:gs pos="0">
+                      <a:srgbClr val="5877B6"/>
+                    </a:gs>
+                    <a:gs pos="100000">
+                      <a:srgbClr val="465E96"/>
+                    </a:gs>
+                  </a:gsLst>
+                  <a:lin ang="5400000" scaled="0"/>
+                </a:gradFill>
+                <a:effectLst>
+                  <a:outerShdw blurRad="254000" dist="101600" dir="5400000" algn="ctr" rotWithShape="0">
+                    <a:srgbClr val="000000">
+                      <a:alpha val="15000"/>
+                    </a:srgbClr>
+                  </a:outerShdw>
+                </a:effectLst>
+                <a:cs typeface="+mn-ea"/>
+                <a:sym typeface="+mn-lt"/>
+              </a:rPr>
+              <a:t>~</a:t>
+            </a:r>
+            <a:endParaRPr lang="zh-CN" altLang="en-US" sz="2400" dirty="0">
+              <a:gradFill>
+                <a:gsLst>
+                  <a:gs pos="0">
+                    <a:srgbClr val="5877B6"/>
+                  </a:gs>
+                  <a:gs pos="100000">
+                    <a:srgbClr val="465E96"/>
+                  </a:gs>
+                </a:gsLst>
+                <a:lin ang="5400000" scaled="0"/>
+              </a:gradFill>
+              <a:effectLst>
+                <a:outerShdw blurRad="254000" dist="101600" dir="5400000" algn="ctr" rotWithShape="0">
+                  <a:srgbClr val="000000">
+                    <a:alpha val="15000"/>
+                  </a:srgbClr>
+                </a:outerShdw>
+              </a:effectLst>
+              <a:cs typeface="+mn-ea"/>
+              <a:sym typeface="+mn-lt"/>
+            </a:endParaRPr>
+          </a:p>
+        </p:txBody>
+      </p:sp>
+      <p:sp>
+        <p:nvSpPr>
+          <p:cNvPr id="36" name="矩形: 圓角 35">
+            <a:extLst>
+              <a:ext uri="{FF2B5EF4-FFF2-40B4-BE49-F238E27FC236}">
+                <a16:creationId xmlns:a16="http://schemas.microsoft.com/office/drawing/2014/main" id="{4AC0A2EC-DBE5-44D8-B803-D8C5BBDFC96E}"/>
+              </a:ext>
+            </a:extLst>
+          </p:cNvPr>
+          <p:cNvSpPr/>
+          <p:nvPr/>
+        </p:nvSpPr>
+        <p:spPr>
+          <a:xfrm>
+            <a:off x="4309103" y="2088930"/>
+            <a:ext cx="927527" cy="1044377"/>
+          </a:xfrm>
+          <a:prstGeom prst="roundRect">
+            <a:avLst/>
+          </a:prstGeom>
+          <a:solidFill>
+            <a:srgbClr val="F77A09"/>
+          </a:solidFill>
+          <a:ln>
+            <a:solidFill>
+              <a:srgbClr val="F77A09"/>
+            </a:solidFill>
+          </a:ln>
+          <a:effectLst>
+            <a:outerShdw blurRad="190500" dist="228600" dir="2700000" algn="ctr">
+              <a:srgbClr val="000000">
+                <a:alpha val="30000"/>
+              </a:srgbClr>
+            </a:outerShdw>
+          </a:effectLst>
+          <a:scene3d>
+            <a:camera prst="orthographicFront">
+              <a:rot lat="0" lon="0" rev="0"/>
+            </a:camera>
+            <a:lightRig rig="glow" dir="t">
+              <a:rot lat="0" lon="0" rev="4800000"/>
+            </a:lightRig>
+          </a:scene3d>
+          <a:sp3d prstMaterial="matte">
+            <a:bevelT w="127000" h="63500"/>
+          </a:sp3d>
+        </p:spPr>
+        <p:style>
+          <a:lnRef idx="2">
+            <a:schemeClr val="accent1">
+              <a:shade val="50000"/>
+            </a:schemeClr>
+          </a:lnRef>
+          <a:fillRef idx="1">
+            <a:schemeClr val="accent1"/>
+          </a:fillRef>
+          <a:effectRef idx="0">
+            <a:schemeClr val="accent1"/>
+          </a:effectRef>
+          <a:fontRef idx="minor">
+            <a:schemeClr val="lt1"/>
+          </a:fontRef>
+        </p:style>
+        <p:txBody>
+          <a:bodyPr rtlCol="0" anchor="ctr"/>
+          <a:lstStyle/>
+          <a:p>
+            <a:pPr algn="ctr"/>
+            <a:r>
+              <a:rPr lang="en-US" altLang="zh-TW" sz="3600" dirty="0" smtClean="0"/>
+              <a:t>2</a:t>
+            </a:r>
+            <a:endParaRPr lang="zh-TW" altLang="en-US" sz="3600" dirty="0"/>
+          </a:p>
+        </p:txBody>
+      </p:sp>
+      <p:sp>
+        <p:nvSpPr>
+          <p:cNvPr id="37" name="矩形: 圓角 36">
+            <a:extLst>
+              <a:ext uri="{FF2B5EF4-FFF2-40B4-BE49-F238E27FC236}">
+                <a16:creationId xmlns:a16="http://schemas.microsoft.com/office/drawing/2014/main" id="{51153ACD-C825-4125-AE9C-F452A1753D82}"/>
+              </a:ext>
+            </a:extLst>
+          </p:cNvPr>
+          <p:cNvSpPr/>
+          <p:nvPr/>
+        </p:nvSpPr>
+        <p:spPr>
+          <a:xfrm>
+            <a:off x="5322257" y="2088930"/>
+            <a:ext cx="927527" cy="1033499"/>
+          </a:xfrm>
+          <a:prstGeom prst="roundRect">
+            <a:avLst/>
+          </a:prstGeom>
+          <a:solidFill>
+            <a:srgbClr val="F77A09"/>
+          </a:solidFill>
+          <a:ln>
+            <a:solidFill>
+              <a:srgbClr val="F77A09"/>
+            </a:solidFill>
+          </a:ln>
+          <a:effectLst>
+            <a:outerShdw blurRad="190500" dist="228600" dir="2700000" algn="ctr">
+              <a:srgbClr val="000000">
+                <a:alpha val="30000"/>
+              </a:srgbClr>
+            </a:outerShdw>
+          </a:effectLst>
+          <a:scene3d>
+            <a:camera prst="orthographicFront">
+              <a:rot lat="0" lon="0" rev="0"/>
+            </a:camera>
+            <a:lightRig rig="glow" dir="t">
+              <a:rot lat="0" lon="0" rev="4800000"/>
+            </a:lightRig>
+          </a:scene3d>
+          <a:sp3d prstMaterial="matte">
+            <a:bevelT w="127000" h="63500"/>
+          </a:sp3d>
+        </p:spPr>
+        <p:style>
+          <a:lnRef idx="2">
+            <a:schemeClr val="accent1">
+              <a:shade val="50000"/>
+            </a:schemeClr>
+          </a:lnRef>
+          <a:fillRef idx="1">
+            <a:schemeClr val="accent1"/>
+          </a:fillRef>
+          <a:effectRef idx="0">
+            <a:schemeClr val="accent1"/>
+          </a:effectRef>
+          <a:fontRef idx="minor">
+            <a:schemeClr val="lt1"/>
+          </a:fontRef>
+        </p:style>
+        <p:txBody>
+          <a:bodyPr rtlCol="0" anchor="ctr"/>
+          <a:lstStyle/>
+          <a:p>
+            <a:pPr algn="ctr"/>
+            <a:r>
+              <a:rPr lang="en-US" altLang="zh-TW" sz="3600" dirty="0"/>
+              <a:t>0</a:t>
+            </a:r>
+            <a:endParaRPr lang="zh-TW" altLang="en-US" sz="3600" dirty="0"/>
+          </a:p>
+        </p:txBody>
+      </p:sp>
+    </p:spTree>
+    <p:extLst>
+      <p:ext uri="{BB962C8B-B14F-4D97-AF65-F5344CB8AC3E}">
+        <p14:creationId xmlns:p14="http://schemas.microsoft.com/office/powerpoint/2010/main" val="3735845425"/>
+      </p:ext>
+    </p:extLst>
+  </p:cSld>
+  <p:clrMapOvr>
+    <a:masterClrMapping/>
+  </p:clrMapOvr>
+  <mc:AlternateContent xmlns:mc="http://schemas.openxmlformats.org/markup-compatibility/2006" xmlns:p14="http://schemas.microsoft.com/office/powerpoint/2010/main">
+    <mc:Choice Requires="p14">
+      <p:transition spd="slow" p14:dur="1500">
+        <p:random/>
+      </p:transition>
+    </mc:Choice>
+    <mc:Fallback xmlns="">
+      <p:transition spd="slow">
+        <p:random/>
+      </p:transition>
+    </mc:Fallback>
+  </mc:AlternateContent>
+  <p:timing>
+    <p:tnLst>
+      <p:par>
+        <p:cTn id="1" dur="indefinite" restart="never" nodeType="tmRoot"/>
+      </p:par>
+    </p:tnLst>
+  </p:timing>
+</p:sld>
+</file>
+
+<file path=ppt/slides/slide4.xml><?xml version="1.0" encoding="utf-8"?>
 <p:sld xmlns:a="http://schemas.openxmlformats.org/drawingml/2006/main" xmlns:r="http://schemas.openxmlformats.org/officeDocument/2006/relationships" xmlns:p="http://schemas.openxmlformats.org/presentationml/2006/main">
   <p:cSld>
     <p:bg>
@@ -8556,8 +9621,8 @@
           <a:p>
             <a:pPr algn="ctr"/>
             <a:r>
-              <a:rPr lang="en-US" altLang="zh-TW" sz="3600" dirty="0" smtClean="0"/>
-              <a:t>2</a:t>
+              <a:rPr lang="en-US" altLang="zh-TW" sz="3600" dirty="0"/>
+              <a:t>1</a:t>
             </a:r>
             <a:endParaRPr lang="zh-TW" altLang="en-US" sz="3600" dirty="0"/>
           </a:p>
@@ -8785,7 +9850,7 @@
             <a:pPr algn="ctr"/>
             <a:r>
               <a:rPr lang="en-US" altLang="zh-TW" sz="3600" dirty="0" smtClean="0"/>
-              <a:t>4</a:t>
+              <a:t>6</a:t>
             </a:r>
             <a:endParaRPr lang="zh-TW" altLang="en-US" sz="3600" dirty="0"/>
           </a:p>
@@ -8948,11 +10013,6 @@
               </a:rPr>
               <a:t>程式開發</a:t>
             </a:r>
-            <a:endParaRPr lang="zh-TW" altLang="en-US" b="1" dirty="0">
-              <a:solidFill>
-                <a:srgbClr val="FFFF00"/>
-              </a:solidFill>
-            </a:endParaRPr>
           </a:p>
         </p:txBody>
       </p:sp>
